--- a/Learn.NET Part 1 .NET GC.pptx
+++ b/Learn.NET Part 1 .NET GC.pptx
@@ -10887,7 +10887,7 @@
           <a:p>
             <a:fld id="{9567DBB4-4A07-4BEB-BD33-C0156EA922F8}" type="datetimeFigureOut">
               <a:rPr lang="en-US" smtClean="0"/>
-              <a:t>11/18/2022</a:t>
+              <a:t>11/20/2022</a:t>
             </a:fld>
             <a:endParaRPr lang="en-US"/>
           </a:p>
@@ -32525,7 +32525,7 @@
         <p:spPr>
           <a:xfrm>
             <a:off x="2773680" y="4038600"/>
-            <a:ext cx="5486400" cy="1292662"/>
+            <a:ext cx="5486400" cy="830997"/>
           </a:xfrm>
           <a:prstGeom prst="rect">
             <a:avLst/>
@@ -32582,27 +32582,27 @@
                   </a:schemeClr>
                 </a:solidFill>
               </a:rPr>
-              <a:t>Chris Farrell and Nick Harrison</a:t>
-            </a:r>
-          </a:p>
-          <a:p>
-            <a:pPr marL="0" indent="0" algn="ctr">
-              <a:buNone/>
-            </a:pPr>
-            <a:r>
-              <a:rPr lang="en-GB" sz="1400" dirty="0">
+              <a:t>Chris Farrell and </a:t>
+            </a:r>
+            <a:r>
+              <a:rPr lang="en-GB" i="1">
                 <a:solidFill>
                   <a:schemeClr val="tx1">
-                    <a:lumMod val="50000"/>
-                    <a:lumOff val="50000"/>
+                    <a:lumMod val="75000"/>
+                    <a:lumOff val="25000"/>
                   </a:schemeClr>
                 </a:solidFill>
               </a:rPr>
-              <a:t>Freely available PDF on Connections</a:t>
-            </a:r>
-          </a:p>
-          <a:p>
-            <a:endParaRPr lang="en-US" dirty="0"/>
+              <a:t>Nick Harrison</a:t>
+            </a:r>
+            <a:endParaRPr lang="en-GB" i="1" dirty="0">
+              <a:solidFill>
+                <a:schemeClr val="tx1">
+                  <a:lumMod val="75000"/>
+                  <a:lumOff val="25000"/>
+                </a:schemeClr>
+              </a:solidFill>
+            </a:endParaRPr>
           </a:p>
         </p:txBody>
       </p:sp>
